--- a/Analysis Of XOR.pptx
+++ b/Analysis Of XOR.pptx
@@ -108,6 +108,11 @@
       </a:defRPr>
     </a:lvl9pPr>
   </p:defaultTextStyle>
+  <p:extLst>
+    <p:ext uri="{EFAFB233-063F-42B5-8137-9DF3F51BA10A}">
+      <p15:sldGuideLst xmlns:p15="http://schemas.microsoft.com/office/powerpoint/2012/main"/>
+    </p:ext>
+  </p:extLst>
 </p:presentation>
 </file>
 
@@ -4224,7 +4229,7 @@
           <a:p>
             <a:r>
               <a:rPr lang="en-US" dirty="0"/>
-              <a:t>Analysis Of XOR</a:t>
+              <a:t>Analysis Of XOR Function</a:t>
             </a:r>
             <a:endParaRPr lang="en-IN" dirty="0"/>
           </a:p>
@@ -4254,6 +4259,15 @@
             <a:r>
               <a:rPr lang="en-US" dirty="0"/>
               <a:t>Prove that XOR is non-linear Function</a:t>
+            </a:r>
+          </a:p>
+          <a:p>
+            <a:endParaRPr lang="en-US" dirty="0"/>
+          </a:p>
+          <a:p>
+            <a:r>
+              <a:rPr lang="en-US" dirty="0"/>
+              <a:t>By: Vipasha Vaghela</a:t>
             </a:r>
             <a:endParaRPr lang="en-IN" dirty="0"/>
           </a:p>
